--- a/Documentacao/Desenhos/hldelld.pptx
+++ b/Documentacao/Desenhos/hldelld.pptx
@@ -226,7 +226,7 @@
           <a:p>
             <a:fld id="{E0C7ADBC-838E-49B9-8356-D3DDFC95DEB9}" type="datetimeFigureOut">
               <a:rPr lang="pt-BR" smtClean="0"/>
-              <a:t>05/05/2020</a:t>
+              <a:t>19/06/2020</a:t>
             </a:fld>
             <a:endParaRPr lang="pt-BR"/>
           </a:p>
@@ -640,7 +640,7 @@
           <a:p>
             <a:fld id="{76312D51-EB56-44ED-81F6-75463F036694}" type="datetimeFigureOut">
               <a:rPr lang="pt-BR" smtClean="0"/>
-              <a:t>05/05/2020</a:t>
+              <a:t>19/06/2020</a:t>
             </a:fld>
             <a:endParaRPr lang="pt-BR"/>
           </a:p>
@@ -838,7 +838,7 @@
           <a:p>
             <a:fld id="{76312D51-EB56-44ED-81F6-75463F036694}" type="datetimeFigureOut">
               <a:rPr lang="pt-BR" smtClean="0"/>
-              <a:t>05/05/2020</a:t>
+              <a:t>19/06/2020</a:t>
             </a:fld>
             <a:endParaRPr lang="pt-BR"/>
           </a:p>
@@ -1046,7 +1046,7 @@
           <a:p>
             <a:fld id="{76312D51-EB56-44ED-81F6-75463F036694}" type="datetimeFigureOut">
               <a:rPr lang="pt-BR" smtClean="0"/>
-              <a:t>05/05/2020</a:t>
+              <a:t>19/06/2020</a:t>
             </a:fld>
             <a:endParaRPr lang="pt-BR"/>
           </a:p>
@@ -1244,7 +1244,7 @@
           <a:p>
             <a:fld id="{76312D51-EB56-44ED-81F6-75463F036694}" type="datetimeFigureOut">
               <a:rPr lang="pt-BR" smtClean="0"/>
-              <a:t>05/05/2020</a:t>
+              <a:t>19/06/2020</a:t>
             </a:fld>
             <a:endParaRPr lang="pt-BR"/>
           </a:p>
@@ -1519,7 +1519,7 @@
           <a:p>
             <a:fld id="{76312D51-EB56-44ED-81F6-75463F036694}" type="datetimeFigureOut">
               <a:rPr lang="pt-BR" smtClean="0"/>
-              <a:t>05/05/2020</a:t>
+              <a:t>19/06/2020</a:t>
             </a:fld>
             <a:endParaRPr lang="pt-BR"/>
           </a:p>
@@ -1784,7 +1784,7 @@
           <a:p>
             <a:fld id="{76312D51-EB56-44ED-81F6-75463F036694}" type="datetimeFigureOut">
               <a:rPr lang="pt-BR" smtClean="0"/>
-              <a:t>05/05/2020</a:t>
+              <a:t>19/06/2020</a:t>
             </a:fld>
             <a:endParaRPr lang="pt-BR"/>
           </a:p>
@@ -2196,7 +2196,7 @@
           <a:p>
             <a:fld id="{76312D51-EB56-44ED-81F6-75463F036694}" type="datetimeFigureOut">
               <a:rPr lang="pt-BR" smtClean="0"/>
-              <a:t>05/05/2020</a:t>
+              <a:t>19/06/2020</a:t>
             </a:fld>
             <a:endParaRPr lang="pt-BR"/>
           </a:p>
@@ -2337,7 +2337,7 @@
           <a:p>
             <a:fld id="{76312D51-EB56-44ED-81F6-75463F036694}" type="datetimeFigureOut">
               <a:rPr lang="pt-BR" smtClean="0"/>
-              <a:t>05/05/2020</a:t>
+              <a:t>19/06/2020</a:t>
             </a:fld>
             <a:endParaRPr lang="pt-BR"/>
           </a:p>
@@ -2450,7 +2450,7 @@
           <a:p>
             <a:fld id="{76312D51-EB56-44ED-81F6-75463F036694}" type="datetimeFigureOut">
               <a:rPr lang="pt-BR" smtClean="0"/>
-              <a:t>05/05/2020</a:t>
+              <a:t>19/06/2020</a:t>
             </a:fld>
             <a:endParaRPr lang="pt-BR"/>
           </a:p>
@@ -2761,7 +2761,7 @@
           <a:p>
             <a:fld id="{76312D51-EB56-44ED-81F6-75463F036694}" type="datetimeFigureOut">
               <a:rPr lang="pt-BR" smtClean="0"/>
-              <a:t>05/05/2020</a:t>
+              <a:t>19/06/2020</a:t>
             </a:fld>
             <a:endParaRPr lang="pt-BR"/>
           </a:p>
@@ -3049,7 +3049,7 @@
           <a:p>
             <a:fld id="{76312D51-EB56-44ED-81F6-75463F036694}" type="datetimeFigureOut">
               <a:rPr lang="pt-BR" smtClean="0"/>
-              <a:t>05/05/2020</a:t>
+              <a:t>19/06/2020</a:t>
             </a:fld>
             <a:endParaRPr lang="pt-BR"/>
           </a:p>
@@ -3290,7 +3290,7 @@
           <a:p>
             <a:fld id="{76312D51-EB56-44ED-81F6-75463F036694}" type="datetimeFigureOut">
               <a:rPr lang="pt-BR" smtClean="0"/>
-              <a:t>05/05/2020</a:t>
+              <a:t>19/06/2020</a:t>
             </a:fld>
             <a:endParaRPr lang="pt-BR"/>
           </a:p>
@@ -4091,7 +4091,7 @@
         </p:blipFill>
         <p:spPr>
           <a:xfrm>
-            <a:off x="3780928" y="205984"/>
+            <a:off x="3440043" y="212091"/>
             <a:ext cx="3448050" cy="1752600"/>
           </a:xfrm>
           <a:prstGeom prst="rect">
@@ -5641,6 +5641,101 @@
           </a:p>
           <a:p>
             <a:endParaRPr lang="pt-BR" dirty="0"/>
+          </a:p>
+        </p:txBody>
+      </p:sp>
+      <p:pic>
+        <p:nvPicPr>
+          <p:cNvPr id="1026" name="Picture 2" descr="Node.js – Wikipédia, a enciclopédia livre">
+            <a:extLst>
+              <a:ext uri="{FF2B5EF4-FFF2-40B4-BE49-F238E27FC236}">
+                <a16:creationId xmlns:a16="http://schemas.microsoft.com/office/drawing/2014/main" id="{2F5537B2-2DC7-456A-8F58-3BCE75A9907F}"/>
+              </a:ext>
+            </a:extLst>
+          </p:cNvPr>
+          <p:cNvPicPr>
+            <a:picLocks noChangeAspect="1" noChangeArrowheads="1"/>
+          </p:cNvPicPr>
+          <p:nvPr/>
+        </p:nvPicPr>
+        <p:blipFill>
+          <a:blip r:embed="rId15">
+            <a:extLst>
+              <a:ext uri="{28A0092B-C50C-407E-A947-70E740481C1C}">
+                <a14:useLocalDpi xmlns:a14="http://schemas.microsoft.com/office/drawing/2010/main" val="0"/>
+              </a:ext>
+            </a:extLst>
+          </a:blip>
+          <a:srcRect/>
+          <a:stretch>
+            <a:fillRect/>
+          </a:stretch>
+        </p:blipFill>
+        <p:spPr bwMode="auto">
+          <a:xfrm>
+            <a:off x="7000300" y="586198"/>
+            <a:ext cx="975140" cy="596433"/>
+          </a:xfrm>
+          <a:prstGeom prst="rect">
+            <a:avLst/>
+          </a:prstGeom>
+          <a:noFill/>
+          <a:extLst>
+            <a:ext uri="{909E8E84-426E-40DD-AFC4-6F175D3DCCD1}">
+              <a14:hiddenFill xmlns:a14="http://schemas.microsoft.com/office/drawing/2010/main">
+                <a:solidFill>
+                  <a:srgbClr val="FFFFFF"/>
+                </a:solidFill>
+              </a14:hiddenFill>
+            </a:ext>
+          </a:extLst>
+        </p:spPr>
+      </p:pic>
+      <p:sp>
+        <p:nvSpPr>
+          <p:cNvPr id="12" name="CaixaDeTexto 11">
+            <a:extLst>
+              <a:ext uri="{FF2B5EF4-FFF2-40B4-BE49-F238E27FC236}">
+                <a16:creationId xmlns:a16="http://schemas.microsoft.com/office/drawing/2014/main" id="{BA9B7A29-1A26-4FB8-B824-C11DD27E60E6}"/>
+              </a:ext>
+            </a:extLst>
+          </p:cNvPr>
+          <p:cNvSpPr txBox="1"/>
+          <p:nvPr/>
+        </p:nvSpPr>
+        <p:spPr>
+          <a:xfrm>
+            <a:off x="6755227" y="1306694"/>
+            <a:ext cx="1480765" cy="523220"/>
+          </a:xfrm>
+          <a:prstGeom prst="rect">
+            <a:avLst/>
+          </a:prstGeom>
+          <a:noFill/>
+        </p:spPr>
+        <p:txBody>
+          <a:bodyPr wrap="square" rtlCol="0">
+            <a:spAutoFit/>
+          </a:bodyPr>
+          <a:lstStyle/>
+          <a:p>
+            <a:pPr algn="ctr"/>
+            <a:r>
+              <a:rPr lang="pt-BR" sz="1400" dirty="0"/>
+              <a:t>Comunicação</a:t>
+            </a:r>
+          </a:p>
+          <a:p>
+            <a:pPr algn="ctr"/>
+            <a:r>
+              <a:rPr lang="pt-BR" sz="1400" dirty="0"/>
+              <a:t>Node </a:t>
+            </a:r>
+            <a:r>
+              <a:rPr lang="pt-BR" sz="1400" dirty="0" err="1"/>
+              <a:t>js</a:t>
+            </a:r>
+            <a:endParaRPr lang="pt-BR" sz="1400" dirty="0"/>
           </a:p>
         </p:txBody>
       </p:sp>
